--- a/aes/lunwen/新建 Microsoft PowerPoint 演示文稿.pptx
+++ b/aes/lunwen/新建 Microsoft PowerPoint 演示文稿.pptx
@@ -7,6 +7,7 @@
   <p:sldIdLst>
     <p:sldId id="256" r:id="rId2"/>
     <p:sldId id="257" r:id="rId3"/>
+    <p:sldId id="258" r:id="rId4"/>
   </p:sldIdLst>
   <p:sldSz cx="12192000" cy="6858000"/>
   <p:notesSz cx="6858000" cy="9144000"/>
@@ -260,7 +261,7 @@
           <a:p>
             <a:fld id="{69687D2C-B153-4D78-A5A2-4A0BFF0A0F0A}" type="datetimeFigureOut">
               <a:rPr lang="zh-CN" altLang="en-US" smtClean="0"/>
-              <a:t>2025/3/19</a:t>
+              <a:t>2025/3/20</a:t>
             </a:fld>
             <a:endParaRPr lang="zh-CN" altLang="en-US"/>
           </a:p>
@@ -458,7 +459,7 @@
           <a:p>
             <a:fld id="{69687D2C-B153-4D78-A5A2-4A0BFF0A0F0A}" type="datetimeFigureOut">
               <a:rPr lang="zh-CN" altLang="en-US" smtClean="0"/>
-              <a:t>2025/3/19</a:t>
+              <a:t>2025/3/20</a:t>
             </a:fld>
             <a:endParaRPr lang="zh-CN" altLang="en-US"/>
           </a:p>
@@ -666,7 +667,7 @@
           <a:p>
             <a:fld id="{69687D2C-B153-4D78-A5A2-4A0BFF0A0F0A}" type="datetimeFigureOut">
               <a:rPr lang="zh-CN" altLang="en-US" smtClean="0"/>
-              <a:t>2025/3/19</a:t>
+              <a:t>2025/3/20</a:t>
             </a:fld>
             <a:endParaRPr lang="zh-CN" altLang="en-US"/>
           </a:p>
@@ -864,7 +865,7 @@
           <a:p>
             <a:fld id="{69687D2C-B153-4D78-A5A2-4A0BFF0A0F0A}" type="datetimeFigureOut">
               <a:rPr lang="zh-CN" altLang="en-US" smtClean="0"/>
-              <a:t>2025/3/19</a:t>
+              <a:t>2025/3/20</a:t>
             </a:fld>
             <a:endParaRPr lang="zh-CN" altLang="en-US"/>
           </a:p>
@@ -1139,7 +1140,7 @@
           <a:p>
             <a:fld id="{69687D2C-B153-4D78-A5A2-4A0BFF0A0F0A}" type="datetimeFigureOut">
               <a:rPr lang="zh-CN" altLang="en-US" smtClean="0"/>
-              <a:t>2025/3/19</a:t>
+              <a:t>2025/3/20</a:t>
             </a:fld>
             <a:endParaRPr lang="zh-CN" altLang="en-US"/>
           </a:p>
@@ -1404,7 +1405,7 @@
           <a:p>
             <a:fld id="{69687D2C-B153-4D78-A5A2-4A0BFF0A0F0A}" type="datetimeFigureOut">
               <a:rPr lang="zh-CN" altLang="en-US" smtClean="0"/>
-              <a:t>2025/3/19</a:t>
+              <a:t>2025/3/20</a:t>
             </a:fld>
             <a:endParaRPr lang="zh-CN" altLang="en-US"/>
           </a:p>
@@ -1816,7 +1817,7 @@
           <a:p>
             <a:fld id="{69687D2C-B153-4D78-A5A2-4A0BFF0A0F0A}" type="datetimeFigureOut">
               <a:rPr lang="zh-CN" altLang="en-US" smtClean="0"/>
-              <a:t>2025/3/19</a:t>
+              <a:t>2025/3/20</a:t>
             </a:fld>
             <a:endParaRPr lang="zh-CN" altLang="en-US"/>
           </a:p>
@@ -1957,7 +1958,7 @@
           <a:p>
             <a:fld id="{69687D2C-B153-4D78-A5A2-4A0BFF0A0F0A}" type="datetimeFigureOut">
               <a:rPr lang="zh-CN" altLang="en-US" smtClean="0"/>
-              <a:t>2025/3/19</a:t>
+              <a:t>2025/3/20</a:t>
             </a:fld>
             <a:endParaRPr lang="zh-CN" altLang="en-US"/>
           </a:p>
@@ -2070,7 +2071,7 @@
           <a:p>
             <a:fld id="{69687D2C-B153-4D78-A5A2-4A0BFF0A0F0A}" type="datetimeFigureOut">
               <a:rPr lang="zh-CN" altLang="en-US" smtClean="0"/>
-              <a:t>2025/3/19</a:t>
+              <a:t>2025/3/20</a:t>
             </a:fld>
             <a:endParaRPr lang="zh-CN" altLang="en-US"/>
           </a:p>
@@ -2381,7 +2382,7 @@
           <a:p>
             <a:fld id="{69687D2C-B153-4D78-A5A2-4A0BFF0A0F0A}" type="datetimeFigureOut">
               <a:rPr lang="zh-CN" altLang="en-US" smtClean="0"/>
-              <a:t>2025/3/19</a:t>
+              <a:t>2025/3/20</a:t>
             </a:fld>
             <a:endParaRPr lang="zh-CN" altLang="en-US"/>
           </a:p>
@@ -2669,7 +2670,7 @@
           <a:p>
             <a:fld id="{69687D2C-B153-4D78-A5A2-4A0BFF0A0F0A}" type="datetimeFigureOut">
               <a:rPr lang="zh-CN" altLang="en-US" smtClean="0"/>
-              <a:t>2025/3/19</a:t>
+              <a:t>2025/3/20</a:t>
             </a:fld>
             <a:endParaRPr lang="zh-CN" altLang="en-US"/>
           </a:p>
@@ -2910,7 +2911,7 @@
           <a:p>
             <a:fld id="{69687D2C-B153-4D78-A5A2-4A0BFF0A0F0A}" type="datetimeFigureOut">
               <a:rPr lang="zh-CN" altLang="en-US" smtClean="0"/>
-              <a:t>2025/3/19</a:t>
+              <a:t>2025/3/20</a:t>
             </a:fld>
             <a:endParaRPr lang="zh-CN" altLang="en-US"/>
           </a:p>
@@ -7350,6 +7351,568 @@
 </p:sld>
 </file>
 
+<file path=ppt/slides/slide3.xml><?xml version="1.0" encoding="utf-8"?>
+<p:sld xmlns:a="http://schemas.openxmlformats.org/drawingml/2006/main" xmlns:r="http://schemas.openxmlformats.org/officeDocument/2006/relationships" xmlns:p="http://schemas.openxmlformats.org/presentationml/2006/main">
+  <p:cSld>
+    <p:spTree>
+      <p:nvGrpSpPr>
+        <p:cNvPr id="1" name=""/>
+        <p:cNvGrpSpPr/>
+        <p:nvPr/>
+      </p:nvGrpSpPr>
+      <p:grpSpPr>
+        <a:xfrm>
+          <a:off x="0" y="0"/>
+          <a:ext cx="0" cy="0"/>
+          <a:chOff x="0" y="0"/>
+          <a:chExt cx="0" cy="0"/>
+        </a:xfrm>
+      </p:grpSpPr>
+      <p:sp>
+        <p:nvSpPr>
+          <p:cNvPr id="4" name="矩形: 圆角 3">
+            <a:extLst>
+              <a:ext uri="{FF2B5EF4-FFF2-40B4-BE49-F238E27FC236}">
+                <a16:creationId xmlns:a16="http://schemas.microsoft.com/office/drawing/2014/main" id="{D4E53271-5B21-9FAC-FE6C-5F35A3A628ED}"/>
+              </a:ext>
+            </a:extLst>
+          </p:cNvPr>
+          <p:cNvSpPr/>
+          <p:nvPr/>
+        </p:nvSpPr>
+        <p:spPr>
+          <a:xfrm>
+            <a:off x="888022" y="1085732"/>
+            <a:ext cx="10779616" cy="2888974"/>
+          </a:xfrm>
+          <a:prstGeom prst="roundRect">
+            <a:avLst>
+              <a:gd name="adj" fmla="val 8762"/>
+            </a:avLst>
+          </a:prstGeom>
+          <a:solidFill>
+            <a:schemeClr val="accent6">
+              <a:lumMod val="40000"/>
+              <a:lumOff val="60000"/>
+            </a:schemeClr>
+          </a:solidFill>
+          <a:ln w="38100">
+            <a:solidFill>
+              <a:schemeClr val="tx1"/>
+            </a:solidFill>
+            <a:prstDash val="dashDot"/>
+          </a:ln>
+        </p:spPr>
+        <p:style>
+          <a:lnRef idx="2">
+            <a:schemeClr val="accent1">
+              <a:shade val="15000"/>
+            </a:schemeClr>
+          </a:lnRef>
+          <a:fillRef idx="1">
+            <a:schemeClr val="accent1"/>
+          </a:fillRef>
+          <a:effectRef idx="0">
+            <a:schemeClr val="accent1"/>
+          </a:effectRef>
+          <a:fontRef idx="minor">
+            <a:schemeClr val="lt1"/>
+          </a:fontRef>
+        </p:style>
+        <p:txBody>
+          <a:bodyPr rtlCol="0" anchor="ctr"/>
+          <a:lstStyle/>
+          <a:p>
+            <a:pPr algn="ctr"/>
+            <a:endParaRPr lang="zh-CN" altLang="en-US"/>
+          </a:p>
+        </p:txBody>
+      </p:sp>
+      <p:pic>
+        <p:nvPicPr>
+          <p:cNvPr id="8" name="图片 7">
+            <a:extLst>
+              <a:ext uri="{FF2B5EF4-FFF2-40B4-BE49-F238E27FC236}">
+                <a16:creationId xmlns:a16="http://schemas.microsoft.com/office/drawing/2014/main" id="{457E98F6-0525-E7F4-4752-961A2AFE0392}"/>
+              </a:ext>
+            </a:extLst>
+          </p:cNvPr>
+          <p:cNvPicPr>
+            <a:picLocks noChangeAspect="1"/>
+          </p:cNvPicPr>
+          <p:nvPr/>
+        </p:nvPicPr>
+        <p:blipFill>
+          <a:blip r:embed="rId2">
+            <a:extLst>
+              <a:ext uri="{28A0092B-C50C-407E-A947-70E740481C1C}">
+                <a14:useLocalDpi xmlns:a14="http://schemas.microsoft.com/office/drawing/2010/main" val="0"/>
+              </a:ext>
+            </a:extLst>
+          </a:blip>
+          <a:stretch>
+            <a:fillRect/>
+          </a:stretch>
+        </p:blipFill>
+        <p:spPr>
+          <a:xfrm>
+            <a:off x="1468192" y="1504027"/>
+            <a:ext cx="2266281" cy="188422"/>
+          </a:xfrm>
+          <a:prstGeom prst="rect">
+            <a:avLst/>
+          </a:prstGeom>
+        </p:spPr>
+      </p:pic>
+      <p:pic>
+        <p:nvPicPr>
+          <p:cNvPr id="12" name="图片 11">
+            <a:extLst>
+              <a:ext uri="{FF2B5EF4-FFF2-40B4-BE49-F238E27FC236}">
+                <a16:creationId xmlns:a16="http://schemas.microsoft.com/office/drawing/2014/main" id="{F869CA6E-4911-414E-3196-E0A844BA61AA}"/>
+              </a:ext>
+            </a:extLst>
+          </p:cNvPr>
+          <p:cNvPicPr>
+            <a:picLocks noChangeAspect="1"/>
+          </p:cNvPicPr>
+          <p:nvPr/>
+        </p:nvPicPr>
+        <p:blipFill>
+          <a:blip r:embed="rId3">
+            <a:extLst>
+              <a:ext uri="{28A0092B-C50C-407E-A947-70E740481C1C}">
+                <a14:useLocalDpi xmlns:a14="http://schemas.microsoft.com/office/drawing/2010/main" val="0"/>
+              </a:ext>
+            </a:extLst>
+          </a:blip>
+          <a:srcRect/>
+          <a:stretch/>
+        </p:blipFill>
+        <p:spPr>
+          <a:xfrm>
+            <a:off x="3837892" y="1419772"/>
+            <a:ext cx="7466086" cy="366841"/>
+          </a:xfrm>
+          <a:prstGeom prst="rect">
+            <a:avLst/>
+          </a:prstGeom>
+        </p:spPr>
+      </p:pic>
+      <p:pic>
+        <p:nvPicPr>
+          <p:cNvPr id="16" name="图片 15">
+            <a:extLst>
+              <a:ext uri="{FF2B5EF4-FFF2-40B4-BE49-F238E27FC236}">
+                <a16:creationId xmlns:a16="http://schemas.microsoft.com/office/drawing/2014/main" id="{DF1AB874-6131-F9B6-097D-28977ED71ADE}"/>
+              </a:ext>
+            </a:extLst>
+          </p:cNvPr>
+          <p:cNvPicPr>
+            <a:picLocks noChangeAspect="1"/>
+          </p:cNvPicPr>
+          <p:nvPr/>
+        </p:nvPicPr>
+        <p:blipFill>
+          <a:blip r:embed="rId4">
+            <a:extLst>
+              <a:ext uri="{28A0092B-C50C-407E-A947-70E740481C1C}">
+                <a14:useLocalDpi xmlns:a14="http://schemas.microsoft.com/office/drawing/2010/main" val="0"/>
+              </a:ext>
+            </a:extLst>
+          </a:blip>
+          <a:stretch>
+            <a:fillRect/>
+          </a:stretch>
+        </p:blipFill>
+        <p:spPr>
+          <a:xfrm>
+            <a:off x="3837892" y="1685666"/>
+            <a:ext cx="7397019" cy="366841"/>
+          </a:xfrm>
+          <a:prstGeom prst="rect">
+            <a:avLst/>
+          </a:prstGeom>
+        </p:spPr>
+      </p:pic>
+      <p:pic>
+        <p:nvPicPr>
+          <p:cNvPr id="18" name="图片 17">
+            <a:extLst>
+              <a:ext uri="{FF2B5EF4-FFF2-40B4-BE49-F238E27FC236}">
+                <a16:creationId xmlns:a16="http://schemas.microsoft.com/office/drawing/2014/main" id="{DBA5A48C-BBFB-73A8-6666-F513DA732767}"/>
+              </a:ext>
+            </a:extLst>
+          </p:cNvPr>
+          <p:cNvPicPr>
+            <a:picLocks noChangeAspect="1"/>
+          </p:cNvPicPr>
+          <p:nvPr/>
+        </p:nvPicPr>
+        <p:blipFill>
+          <a:blip r:embed="rId5">
+            <a:extLst>
+              <a:ext uri="{28A0092B-C50C-407E-A947-70E740481C1C}">
+                <a14:useLocalDpi xmlns:a14="http://schemas.microsoft.com/office/drawing/2010/main" val="0"/>
+              </a:ext>
+            </a:extLst>
+          </a:blip>
+          <a:stretch>
+            <a:fillRect/>
+          </a:stretch>
+        </p:blipFill>
+        <p:spPr>
+          <a:xfrm>
+            <a:off x="3967867" y="2064139"/>
+            <a:ext cx="316246" cy="45719"/>
+          </a:xfrm>
+          <a:prstGeom prst="rect">
+            <a:avLst/>
+          </a:prstGeom>
+        </p:spPr>
+      </p:pic>
+      <p:pic>
+        <p:nvPicPr>
+          <p:cNvPr id="21" name="图片 20">
+            <a:extLst>
+              <a:ext uri="{FF2B5EF4-FFF2-40B4-BE49-F238E27FC236}">
+                <a16:creationId xmlns:a16="http://schemas.microsoft.com/office/drawing/2014/main" id="{B6DB52EE-6C72-6F63-7450-C2D5E74B0F16}"/>
+              </a:ext>
+            </a:extLst>
+          </p:cNvPr>
+          <p:cNvPicPr>
+            <a:picLocks noChangeAspect="1"/>
+          </p:cNvPicPr>
+          <p:nvPr/>
+        </p:nvPicPr>
+        <p:blipFill>
+          <a:blip r:embed="rId6">
+            <a:extLst>
+              <a:ext uri="{28A0092B-C50C-407E-A947-70E740481C1C}">
+                <a14:useLocalDpi xmlns:a14="http://schemas.microsoft.com/office/drawing/2010/main" val="0"/>
+              </a:ext>
+            </a:extLst>
+          </a:blip>
+          <a:srcRect/>
+          <a:stretch/>
+        </p:blipFill>
+        <p:spPr>
+          <a:xfrm>
+            <a:off x="1172311" y="2530219"/>
+            <a:ext cx="2562162" cy="199759"/>
+          </a:xfrm>
+          <a:prstGeom prst="rect">
+            <a:avLst/>
+          </a:prstGeom>
+        </p:spPr>
+      </p:pic>
+      <p:pic>
+        <p:nvPicPr>
+          <p:cNvPr id="23" name="图片 22">
+            <a:extLst>
+              <a:ext uri="{FF2B5EF4-FFF2-40B4-BE49-F238E27FC236}">
+                <a16:creationId xmlns:a16="http://schemas.microsoft.com/office/drawing/2014/main" id="{8D257669-1CF1-8132-DA2B-F4B2F33234DB}"/>
+              </a:ext>
+            </a:extLst>
+          </p:cNvPr>
+          <p:cNvPicPr>
+            <a:picLocks noChangeAspect="1"/>
+          </p:cNvPicPr>
+          <p:nvPr/>
+        </p:nvPicPr>
+        <p:blipFill>
+          <a:blip r:embed="rId7">
+            <a:extLst>
+              <a:ext uri="{28A0092B-C50C-407E-A947-70E740481C1C}">
+                <a14:useLocalDpi xmlns:a14="http://schemas.microsoft.com/office/drawing/2010/main" val="0"/>
+              </a:ext>
+            </a:extLst>
+          </a:blip>
+          <a:srcRect/>
+          <a:stretch/>
+        </p:blipFill>
+        <p:spPr>
+          <a:xfrm>
+            <a:off x="3832235" y="2433104"/>
+            <a:ext cx="7391362" cy="366840"/>
+          </a:xfrm>
+          <a:prstGeom prst="rect">
+            <a:avLst/>
+          </a:prstGeom>
+        </p:spPr>
+      </p:pic>
+      <p:pic>
+        <p:nvPicPr>
+          <p:cNvPr id="25" name="图片 24">
+            <a:extLst>
+              <a:ext uri="{FF2B5EF4-FFF2-40B4-BE49-F238E27FC236}">
+                <a16:creationId xmlns:a16="http://schemas.microsoft.com/office/drawing/2014/main" id="{DEAC082B-E52C-4655-006C-9B5512F59810}"/>
+              </a:ext>
+            </a:extLst>
+          </p:cNvPr>
+          <p:cNvPicPr>
+            <a:picLocks noChangeAspect="1"/>
+          </p:cNvPicPr>
+          <p:nvPr/>
+        </p:nvPicPr>
+        <p:blipFill>
+          <a:blip r:embed="rId8">
+            <a:extLst>
+              <a:ext uri="{28A0092B-C50C-407E-A947-70E740481C1C}">
+                <a14:useLocalDpi xmlns:a14="http://schemas.microsoft.com/office/drawing/2010/main" val="0"/>
+              </a:ext>
+            </a:extLst>
+          </a:blip>
+          <a:stretch>
+            <a:fillRect/>
+          </a:stretch>
+        </p:blipFill>
+        <p:spPr>
+          <a:xfrm>
+            <a:off x="3832235" y="2704811"/>
+            <a:ext cx="5795493" cy="341346"/>
+          </a:xfrm>
+          <a:prstGeom prst="rect">
+            <a:avLst/>
+          </a:prstGeom>
+        </p:spPr>
+      </p:pic>
+      <p:pic>
+        <p:nvPicPr>
+          <p:cNvPr id="27" name="图片 26">
+            <a:extLst>
+              <a:ext uri="{FF2B5EF4-FFF2-40B4-BE49-F238E27FC236}">
+                <a16:creationId xmlns:a16="http://schemas.microsoft.com/office/drawing/2014/main" id="{C6D4232E-CBFA-6E05-398A-40E8117F8D1F}"/>
+              </a:ext>
+            </a:extLst>
+          </p:cNvPr>
+          <p:cNvPicPr>
+            <a:picLocks noChangeAspect="1"/>
+          </p:cNvPicPr>
+          <p:nvPr/>
+        </p:nvPicPr>
+        <p:blipFill>
+          <a:blip r:embed="rId9">
+            <a:extLst>
+              <a:ext uri="{28A0092B-C50C-407E-A947-70E740481C1C}">
+                <a14:useLocalDpi xmlns:a14="http://schemas.microsoft.com/office/drawing/2010/main" val="0"/>
+              </a:ext>
+            </a:extLst>
+          </a:blip>
+          <a:srcRect/>
+          <a:stretch/>
+        </p:blipFill>
+        <p:spPr>
+          <a:xfrm>
+            <a:off x="1628704" y="3365609"/>
+            <a:ext cx="2105769" cy="193590"/>
+          </a:xfrm>
+          <a:prstGeom prst="rect">
+            <a:avLst/>
+          </a:prstGeom>
+        </p:spPr>
+      </p:pic>
+      <p:pic>
+        <p:nvPicPr>
+          <p:cNvPr id="29" name="图片 28">
+            <a:extLst>
+              <a:ext uri="{FF2B5EF4-FFF2-40B4-BE49-F238E27FC236}">
+                <a16:creationId xmlns:a16="http://schemas.microsoft.com/office/drawing/2014/main" id="{48FC6509-614A-F453-14E8-AE41EB5FDDEF}"/>
+              </a:ext>
+            </a:extLst>
+          </p:cNvPr>
+          <p:cNvPicPr>
+            <a:picLocks noChangeAspect="1"/>
+          </p:cNvPicPr>
+          <p:nvPr/>
+        </p:nvPicPr>
+        <p:blipFill>
+          <a:blip r:embed="rId10">
+            <a:extLst>
+              <a:ext uri="{28A0092B-C50C-407E-A947-70E740481C1C}">
+                <a14:useLocalDpi xmlns:a14="http://schemas.microsoft.com/office/drawing/2010/main" val="0"/>
+              </a:ext>
+            </a:extLst>
+          </a:blip>
+          <a:srcRect/>
+          <a:stretch/>
+        </p:blipFill>
+        <p:spPr>
+          <a:xfrm>
+            <a:off x="3802944" y="3293886"/>
+            <a:ext cx="7616323" cy="366841"/>
+          </a:xfrm>
+          <a:prstGeom prst="rect">
+            <a:avLst/>
+          </a:prstGeom>
+        </p:spPr>
+      </p:pic>
+      <p:sp>
+        <p:nvSpPr>
+          <p:cNvPr id="30" name="矩形 29">
+            <a:extLst>
+              <a:ext uri="{FF2B5EF4-FFF2-40B4-BE49-F238E27FC236}">
+                <a16:creationId xmlns:a16="http://schemas.microsoft.com/office/drawing/2014/main" id="{7A86DFE7-ED4B-555D-8545-AFCD08401184}"/>
+              </a:ext>
+            </a:extLst>
+          </p:cNvPr>
+          <p:cNvSpPr/>
+          <p:nvPr/>
+        </p:nvSpPr>
+        <p:spPr>
+          <a:xfrm>
+            <a:off x="1172311" y="1313645"/>
+            <a:ext cx="10246956" cy="947824"/>
+          </a:xfrm>
+          <a:prstGeom prst="rect">
+            <a:avLst/>
+          </a:prstGeom>
+          <a:solidFill>
+            <a:schemeClr val="accent1">
+              <a:alpha val="10000"/>
+            </a:schemeClr>
+          </a:solidFill>
+        </p:spPr>
+        <p:style>
+          <a:lnRef idx="2">
+            <a:schemeClr val="accent1">
+              <a:shade val="15000"/>
+            </a:schemeClr>
+          </a:lnRef>
+          <a:fillRef idx="1">
+            <a:schemeClr val="accent1"/>
+          </a:fillRef>
+          <a:effectRef idx="0">
+            <a:schemeClr val="accent1"/>
+          </a:effectRef>
+          <a:fontRef idx="minor">
+            <a:schemeClr val="lt1"/>
+          </a:fontRef>
+        </p:style>
+        <p:txBody>
+          <a:bodyPr rtlCol="0" anchor="ctr"/>
+          <a:lstStyle/>
+          <a:p>
+            <a:pPr algn="ctr"/>
+            <a:endParaRPr lang="zh-CN" altLang="en-US"/>
+          </a:p>
+        </p:txBody>
+      </p:sp>
+      <p:sp>
+        <p:nvSpPr>
+          <p:cNvPr id="31" name="矩形 30">
+            <a:extLst>
+              <a:ext uri="{FF2B5EF4-FFF2-40B4-BE49-F238E27FC236}">
+                <a16:creationId xmlns:a16="http://schemas.microsoft.com/office/drawing/2014/main" id="{27869FA0-E044-798A-415B-DBCE6D7A4A7E}"/>
+              </a:ext>
+            </a:extLst>
+          </p:cNvPr>
+          <p:cNvSpPr/>
+          <p:nvPr/>
+        </p:nvSpPr>
+        <p:spPr>
+          <a:xfrm>
+            <a:off x="1172311" y="2401572"/>
+            <a:ext cx="10246956" cy="692330"/>
+          </a:xfrm>
+          <a:prstGeom prst="rect">
+            <a:avLst/>
+          </a:prstGeom>
+          <a:solidFill>
+            <a:schemeClr val="accent1">
+              <a:alpha val="10000"/>
+            </a:schemeClr>
+          </a:solidFill>
+        </p:spPr>
+        <p:style>
+          <a:lnRef idx="2">
+            <a:schemeClr val="accent1">
+              <a:shade val="15000"/>
+            </a:schemeClr>
+          </a:lnRef>
+          <a:fillRef idx="1">
+            <a:schemeClr val="accent1"/>
+          </a:fillRef>
+          <a:effectRef idx="0">
+            <a:schemeClr val="accent1"/>
+          </a:effectRef>
+          <a:fontRef idx="minor">
+            <a:schemeClr val="lt1"/>
+          </a:fontRef>
+        </p:style>
+        <p:txBody>
+          <a:bodyPr rtlCol="0" anchor="ctr"/>
+          <a:lstStyle/>
+          <a:p>
+            <a:pPr algn="ctr"/>
+            <a:endParaRPr lang="zh-CN" altLang="en-US"/>
+          </a:p>
+        </p:txBody>
+      </p:sp>
+      <p:sp>
+        <p:nvSpPr>
+          <p:cNvPr id="32" name="矩形 31">
+            <a:extLst>
+              <a:ext uri="{FF2B5EF4-FFF2-40B4-BE49-F238E27FC236}">
+                <a16:creationId xmlns:a16="http://schemas.microsoft.com/office/drawing/2014/main" id="{2E05AA28-8422-2463-4110-4B058CB49964}"/>
+              </a:ext>
+            </a:extLst>
+          </p:cNvPr>
+          <p:cNvSpPr/>
+          <p:nvPr/>
+        </p:nvSpPr>
+        <p:spPr>
+          <a:xfrm>
+            <a:off x="1172310" y="3249223"/>
+            <a:ext cx="10246956" cy="411252"/>
+          </a:xfrm>
+          <a:prstGeom prst="rect">
+            <a:avLst/>
+          </a:prstGeom>
+          <a:solidFill>
+            <a:schemeClr val="accent1">
+              <a:alpha val="10000"/>
+            </a:schemeClr>
+          </a:solidFill>
+        </p:spPr>
+        <p:style>
+          <a:lnRef idx="2">
+            <a:schemeClr val="accent1">
+              <a:shade val="15000"/>
+            </a:schemeClr>
+          </a:lnRef>
+          <a:fillRef idx="1">
+            <a:schemeClr val="accent1"/>
+          </a:fillRef>
+          <a:effectRef idx="0">
+            <a:schemeClr val="accent1"/>
+          </a:effectRef>
+          <a:fontRef idx="minor">
+            <a:schemeClr val="lt1"/>
+          </a:fontRef>
+        </p:style>
+        <p:txBody>
+          <a:bodyPr rtlCol="0" anchor="ctr"/>
+          <a:lstStyle/>
+          <a:p>
+            <a:pPr algn="ctr"/>
+            <a:endParaRPr lang="zh-CN" altLang="en-US"/>
+          </a:p>
+        </p:txBody>
+      </p:sp>
+    </p:spTree>
+    <p:extLst>
+      <p:ext uri="{BB962C8B-B14F-4D97-AF65-F5344CB8AC3E}">
+        <p14:creationId xmlns:p14="http://schemas.microsoft.com/office/powerpoint/2010/main" val="1497490614"/>
+      </p:ext>
+    </p:extLst>
+  </p:cSld>
+  <p:clrMapOvr>
+    <a:masterClrMapping/>
+  </p:clrMapOvr>
+</p:sld>
+</file>
+
 <file path=ppt/theme/theme1.xml><?xml version="1.0" encoding="utf-8"?>
 <a:theme xmlns:a="http://schemas.openxmlformats.org/drawingml/2006/main" name="Office 主题​​">
   <a:themeElements>
